--- a/backend/project/PPTX/Horse_presentation.pptx
+++ b/backend/project/PPTX/Horse_presentation.pptx
@@ -3174,7 +3174,7 @@
           <a:lstStyle/>
           <a:p>
             <a:r>
-              <a:t>Slide 9: Economic Impact of the Horse Industry</a:t>
+              <a:t>Horse Racing Industry</a:t>
             </a:r>
           </a:p>
         </p:txBody>
@@ -3196,7 +3196,7 @@
           <a:p>
             <a:r>
               <a:rPr b="1" sz="1800"/>
-              <a:t>The horse industry contributes billions of dollars to the global economy through breeding, racing, showing, and other equine-related activities. It also provides jobs and tourism opportunities.</a:t>
+              <a:t>Horse racing is a popular sport and industry around the world. It involves breeding, training, and racing horses for competition and entertainment.</a:t>
             </a:r>
           </a:p>
         </p:txBody>
@@ -3228,7 +3228,7 @@
               <a:defRPr sz="1200"/>
             </a:pPr>
             <a:r>
-              <a:t>- Source: American Horse Council</a:t>
+              <a:t>- Source: The Jockey Club</a:t>
             </a:r>
           </a:p>
         </p:txBody>
@@ -3267,7 +3267,7 @@
           <a:lstStyle/>
           <a:p>
             <a:r>
-              <a:t>Slide 10: Conclusion</a:t>
+              <a:t>Conclusion</a:t>
             </a:r>
           </a:p>
         </p:txBody>
@@ -3289,7 +3289,7 @@
           <a:p>
             <a:r>
               <a:rPr b="1" sz="1800"/>
-              <a:t>Horses are magnificent creatures that have been a part of human history for thousands of years. Their beauty, grace, and strength continue to inspire and captivate people worldwide.</a:t>
+              <a:t>Horses are majestic animals with a rich history of partnership with humans. Understanding and caring for these creatures is essential for their welfare and our continued relationship with them.</a:t>
             </a:r>
           </a:p>
         </p:txBody>
@@ -3321,7 +3321,7 @@
               <a:defRPr sz="1200"/>
             </a:pPr>
             <a:r>
-              <a:t>- Source: The Humane Society of the United States</a:t>
+              <a:t>- Source: World Horse Welfare</a:t>
             </a:r>
           </a:p>
         </p:txBody>
@@ -3360,7 +3360,7 @@
           <a:lstStyle/>
           <a:p>
             <a:r>
-              <a:t>Slide 1: Introduction to Horses</a:t>
+              <a:t>Introduction to Horses</a:t>
             </a:r>
           </a:p>
         </p:txBody>
@@ -3382,7 +3382,7 @@
           <a:p>
             <a:r>
               <a:rPr b="1" sz="1800"/>
-              <a:t>Horses are domesticated mammals known for their strength, speed, and beauty. They have been used by humans for centuries for transportation, agriculture, and sport.</a:t>
+              <a:t>Horses are large herbivorous mammals known for their strength, speed, and intelligence. They have been domesticated by humans for thousands of years and play important roles in agriculture, transportation, and sports.</a:t>
             </a:r>
           </a:p>
         </p:txBody>
@@ -3453,7 +3453,7 @@
           <a:lstStyle/>
           <a:p>
             <a:r>
-              <a:t>Slide 2: Anatomy of a Horse</a:t>
+              <a:t>Anatomy of a Horse</a:t>
             </a:r>
           </a:p>
         </p:txBody>
@@ -3475,7 +3475,7 @@
           <a:p>
             <a:r>
               <a:rPr b="1" sz="1800"/>
-              <a:t>Horses have a unique anatomy with long legs, a strong body, and a powerful jaw. Their ears can rotate 180 degrees to listen to sounds from all directions.</a:t>
+              <a:t>Horses have a powerful body, long legs, a large head with a mane, and a tail. Their hooves are adapted for running and their teeth continue to grow throughout their lives.</a:t>
             </a:r>
           </a:p>
         </p:txBody>
@@ -3546,7 +3546,7 @@
           <a:lstStyle/>
           <a:p>
             <a:r>
-              <a:t>Slide 3: Breeds of Horses</a:t>
+              <a:t>Breeds of Horses</a:t>
             </a:r>
           </a:p>
         </p:txBody>
@@ -3568,7 +3568,7 @@
           <a:p>
             <a:r>
               <a:rPr b="1" sz="1800"/>
-              <a:t>There are over 300 breeds of horses worldwide, each with its own unique characteristics and abilities. Some popular breeds include Arabian, Thoroughbred, and Quarter Horse.</a:t>
+              <a:t>There are over 300 different horse breeds, each with unique characteristics and abilities. Some popular breeds include Arabian, Thoroughbred, and Quarter Horse.</a:t>
             </a:r>
           </a:p>
         </p:txBody>
@@ -3639,7 +3639,7 @@
           <a:lstStyle/>
           <a:p>
             <a:r>
-              <a:t>Slide 4: Horse Behavior</a:t>
+              <a:t>Horse Behavior</a:t>
             </a:r>
           </a:p>
         </p:txBody>
@@ -3661,7 +3661,7 @@
           <a:p>
             <a:r>
               <a:rPr b="1" sz="1800"/>
-              <a:t>Horses are social animals that live in herds and communicate through body language and vocalizations. They are also known for their flight response when startled.</a:t>
+              <a:t>Horses are social animals that form strong bonds with other horses. They communicate through body language, vocalizations, and facial expressions.</a:t>
             </a:r>
           </a:p>
         </p:txBody>
@@ -3693,7 +3693,7 @@
               <a:defRPr sz="1200"/>
             </a:pPr>
             <a:r>
-              <a:t>- Source: The Humane Society of the United States</a:t>
+              <a:t>- Source: The Humane Society</a:t>
             </a:r>
           </a:p>
         </p:txBody>
@@ -3732,7 +3732,7 @@
           <a:lstStyle/>
           <a:p>
             <a:r>
-              <a:t>Slide 5: Horse Care and Maintenance</a:t>
+              <a:t>Horse Care and Maintenance</a:t>
             </a:r>
           </a:p>
         </p:txBody>
@@ -3754,7 +3754,7 @@
           <a:p>
             <a:r>
               <a:rPr b="1" sz="1800"/>
-              <a:t>Proper care of horses includes feeding them a balanced diet, providing clean water, shelter, and veterinary care. Regular exercise and grooming are also important for their health and well-being.</a:t>
+              <a:t>Proper care for horses includes regular grooming, feeding, exercise, and veterinary care. Shelter, clean water, and a balanced diet are essential for their well-being.</a:t>
             </a:r>
           </a:p>
         </p:txBody>
@@ -3825,7 +3825,7 @@
           <a:lstStyle/>
           <a:p>
             <a:r>
-              <a:t>Slide 6: Horse Riding and Training</a:t>
+              <a:t>Uses of Horses Today</a:t>
             </a:r>
           </a:p>
         </p:txBody>
@@ -3847,7 +3847,7 @@
           <a:p>
             <a:r>
               <a:rPr b="1" sz="1800"/>
-              <a:t>Horseback riding is a popular sport and recreational activity that requires skill and training. Horses can be trained for various disciplines such as dressage, show jumping, and western riding.</a:t>
+              <a:t>Horses are still used for agriculture, transportation, and recreational activities such as horseback riding, racing, and therapy. They also serve in police work and search and rescue operations.</a:t>
             </a:r>
           </a:p>
         </p:txBody>
@@ -3879,7 +3879,7 @@
               <a:defRPr sz="1200"/>
             </a:pPr>
             <a:r>
-              <a:t>- Source: United States Equestrian Federation</a:t>
+              <a:t>- Source: The Horse</a:t>
             </a:r>
           </a:p>
         </p:txBody>
@@ -3918,7 +3918,7 @@
           <a:lstStyle/>
           <a:p>
             <a:r>
-              <a:t>Slide 7: Historical Significance of Horses</a:t>
+              <a:t>Famous Horses in History</a:t>
             </a:r>
           </a:p>
         </p:txBody>
@@ -3940,7 +3940,7 @@
           <a:p>
             <a:r>
               <a:rPr b="1" sz="1800"/>
-              <a:t>Throughout history, horses have played a crucial role in human civilization, from warfare and agriculture to transportation and recreation. They have been depicted in art and literature for centuries.</a:t>
+              <a:t>Throughout history, horses have played significant roles in wars, exploration, and entertainment. Famous horses include Alexander the Great's Bucephalus and the Lone Ranger's Silver.</a:t>
             </a:r>
           </a:p>
         </p:txBody>
@@ -3972,7 +3972,7 @@
               <a:defRPr sz="1200"/>
             </a:pPr>
             <a:r>
-              <a:t>- Source: The Smithsonian Institution</a:t>
+              <a:t>- Source: History Channel</a:t>
             </a:r>
           </a:p>
         </p:txBody>
@@ -4011,7 +4011,7 @@
           <a:lstStyle/>
           <a:p>
             <a:r>
-              <a:t>Slide 8: Famous Horses in Pop Culture</a:t>
+              <a:t>Challenges Facing Horses</a:t>
             </a:r>
           </a:p>
         </p:txBody>
@@ -4033,7 +4033,7 @@
           <a:p>
             <a:r>
               <a:rPr b="1" sz="1800"/>
-              <a:t>There have been many famous horses in movies, TV shows, and literature, such as Black Beauty, Silver, and Pegasus. These fictional horses have captured the hearts of audiences worldwide.</a:t>
+              <a:t>Horses face various threats such as overbreeding, habitat loss, neglect, and abuse. Organizations work to protect and rescue horses in need.</a:t>
             </a:r>
           </a:p>
         </p:txBody>
@@ -4065,7 +4065,7 @@
               <a:defRPr sz="1200"/>
             </a:pPr>
             <a:r>
-              <a:t>- Source: IMDb</a:t>
+              <a:t>- Source: The Humane Society of the United States</a:t>
             </a:r>
           </a:p>
         </p:txBody>
